--- a/CocktailManager.pptx
+++ b/CocktailManager.pptx
@@ -6562,7 +6562,7 @@
             <a:r>
               <a:rPr lang="ru-RU" sz="2400" dirty="0" smtClean="0">
                 <a:solidFill>
-                  <a:srgbClr val="E00E7C"/>
+                  <a:srgbClr val="0249E8"/>
                 </a:solidFill>
                 <a:effectLst/>
                 <a:latin typeface="Corbel" panose="020B0503020204020204" pitchFamily="34" charset="0"/>
@@ -6599,32 +6599,12 @@
             <a:r>
               <a:rPr lang="ru-RU" sz="2400" dirty="0" smtClean="0">
                 <a:solidFill>
-                  <a:srgbClr val="E00E7C"/>
+                  <a:srgbClr val="0249E8"/>
                 </a:solidFill>
                 <a:effectLst/>
                 <a:latin typeface="Corbel" panose="020B0503020204020204" pitchFamily="34" charset="0"/>
               </a:rPr>
-              <a:t>составления</a:t>
-            </a:r>
-            <a:r>
-              <a:rPr lang="ru-RU" sz="2400" dirty="0" smtClean="0">
-                <a:solidFill>
-                  <a:srgbClr val="F559AB"/>
-                </a:solidFill>
-                <a:effectLst/>
-                <a:latin typeface="Corbel" panose="020B0503020204020204" pitchFamily="34" charset="0"/>
-              </a:rPr>
-              <a:t> </a:t>
-            </a:r>
-            <a:r>
-              <a:rPr lang="ru-RU" sz="2400" dirty="0" smtClean="0">
-                <a:solidFill>
-                  <a:srgbClr val="E00E7C"/>
-                </a:solidFill>
-                <a:effectLst/>
-                <a:latin typeface="Corbel" panose="020B0503020204020204" pitchFamily="34" charset="0"/>
-              </a:rPr>
-              <a:t>предпочтений</a:t>
+              <a:t>составления предпочтений</a:t>
             </a:r>
           </a:p>
           <a:p>
@@ -6656,22 +6636,12 @@
             <a:r>
               <a:rPr lang="ru-RU" sz="2400" dirty="0" smtClean="0">
                 <a:solidFill>
-                  <a:srgbClr val="E00E7C"/>
+                  <a:srgbClr val="0249E8"/>
                 </a:solidFill>
                 <a:effectLst/>
                 <a:latin typeface="Corbel" panose="020B0503020204020204" pitchFamily="34" charset="0"/>
               </a:rPr>
-              <a:t>рекомендации</a:t>
-            </a:r>
-            <a:r>
-              <a:rPr lang="ru-RU" sz="2400" dirty="0" smtClean="0">
-                <a:solidFill>
-                  <a:srgbClr val="3D78FD"/>
-                </a:solidFill>
-                <a:effectLst/>
-                <a:latin typeface="Corbel" panose="020B0503020204020204" pitchFamily="34" charset="0"/>
-              </a:rPr>
-              <a:t> </a:t>
+              <a:t>рекомендации </a:t>
             </a:r>
             <a:r>
               <a:rPr lang="ru-RU" sz="2400" dirty="0" smtClean="0">
